--- a/curso/modulo1capitulo2.pptx
+++ b/curso/modulo1capitulo2.pptx
@@ -505,7 +505,7 @@
             <a:fld id="{9216EC66-197B-4D79-8DCB-E7D00E052904}" type="datetimeFigureOut">
               <a:rPr lang="pt-BR" smtClean="0"/>
               <a:pPr/>
-              <a:t>5/8/2014</a:t>
+              <a:t>27/6/2015</a:t>
             </a:fld>
             <a:endParaRPr lang="pt-BR"/>
           </a:p>
@@ -672,7 +672,7 @@
             <a:fld id="{9216EC66-197B-4D79-8DCB-E7D00E052904}" type="datetimeFigureOut">
               <a:rPr lang="pt-BR" smtClean="0"/>
               <a:pPr/>
-              <a:t>5/8/2014</a:t>
+              <a:t>27/6/2015</a:t>
             </a:fld>
             <a:endParaRPr lang="pt-BR"/>
           </a:p>
@@ -849,7 +849,7 @@
             <a:fld id="{9216EC66-197B-4D79-8DCB-E7D00E052904}" type="datetimeFigureOut">
               <a:rPr lang="pt-BR" smtClean="0"/>
               <a:pPr/>
-              <a:t>5/8/2014</a:t>
+              <a:t>27/6/2015</a:t>
             </a:fld>
             <a:endParaRPr lang="pt-BR"/>
           </a:p>
@@ -1020,7 +1020,7 @@
             <a:fld id="{9216EC66-197B-4D79-8DCB-E7D00E052904}" type="datetimeFigureOut">
               <a:rPr lang="pt-BR" smtClean="0"/>
               <a:pPr/>
-              <a:t>5/8/2014</a:t>
+              <a:t>27/6/2015</a:t>
             </a:fld>
             <a:endParaRPr lang="pt-BR"/>
           </a:p>
@@ -1477,7 +1477,7 @@
             <a:fld id="{9216EC66-197B-4D79-8DCB-E7D00E052904}" type="datetimeFigureOut">
               <a:rPr lang="pt-BR" smtClean="0"/>
               <a:pPr/>
-              <a:t>5/8/2014</a:t>
+              <a:t>27/6/2015</a:t>
             </a:fld>
             <a:endParaRPr lang="pt-BR"/>
           </a:p>
@@ -1743,7 +1743,7 @@
             <a:fld id="{9216EC66-197B-4D79-8DCB-E7D00E052904}" type="datetimeFigureOut">
               <a:rPr lang="pt-BR" smtClean="0"/>
               <a:pPr/>
-              <a:t>5/8/2014</a:t>
+              <a:t>27/6/2015</a:t>
             </a:fld>
             <a:endParaRPr lang="pt-BR"/>
           </a:p>
@@ -2119,7 +2119,7 @@
             <a:fld id="{9216EC66-197B-4D79-8DCB-E7D00E052904}" type="datetimeFigureOut">
               <a:rPr lang="pt-BR" smtClean="0"/>
               <a:pPr/>
-              <a:t>5/8/2014</a:t>
+              <a:t>27/6/2015</a:t>
             </a:fld>
             <a:endParaRPr lang="pt-BR"/>
           </a:p>
@@ -2243,7 +2243,7 @@
             <a:fld id="{9216EC66-197B-4D79-8DCB-E7D00E052904}" type="datetimeFigureOut">
               <a:rPr lang="pt-BR" smtClean="0"/>
               <a:pPr/>
-              <a:t>5/8/2014</a:t>
+              <a:t>27/6/2015</a:t>
             </a:fld>
             <a:endParaRPr lang="pt-BR"/>
           </a:p>
@@ -2335,7 +2335,7 @@
             <a:fld id="{9216EC66-197B-4D79-8DCB-E7D00E052904}" type="datetimeFigureOut">
               <a:rPr lang="pt-BR" smtClean="0"/>
               <a:pPr/>
-              <a:t>5/8/2014</a:t>
+              <a:t>27/6/2015</a:t>
             </a:fld>
             <a:endParaRPr lang="pt-BR"/>
           </a:p>
@@ -2586,7 +2586,7 @@
             <a:fld id="{9216EC66-197B-4D79-8DCB-E7D00E052904}" type="datetimeFigureOut">
               <a:rPr lang="pt-BR" smtClean="0"/>
               <a:pPr/>
-              <a:t>5/8/2014</a:t>
+              <a:t>27/6/2015</a:t>
             </a:fld>
             <a:endParaRPr lang="pt-BR"/>
           </a:p>
@@ -2847,7 +2847,7 @@
             <a:fld id="{9216EC66-197B-4D79-8DCB-E7D00E052904}" type="datetimeFigureOut">
               <a:rPr lang="pt-BR" smtClean="0"/>
               <a:pPr/>
-              <a:t>5/8/2014</a:t>
+              <a:t>27/6/2015</a:t>
             </a:fld>
             <a:endParaRPr lang="pt-BR"/>
           </a:p>
@@ -3253,7 +3253,7 @@
             <a:fld id="{9216EC66-197B-4D79-8DCB-E7D00E052904}" type="datetimeFigureOut">
               <a:rPr lang="pt-BR" smtClean="0"/>
               <a:pPr/>
-              <a:t>5/8/2014</a:t>
+              <a:t>27/6/2015</a:t>
             </a:fld>
             <a:endParaRPr lang="pt-BR"/>
           </a:p>
@@ -3780,7 +3780,7 @@
         <p:spPr/>
         <p:txBody>
           <a:bodyPr>
-            <a:normAutofit fontScale="90000"/>
+            <a:normAutofit/>
           </a:bodyPr>
           <a:lstStyle/>
           <a:p>
@@ -4435,11 +4435,7 @@
           <a:p>
             <a:r>
               <a:rPr lang="pt-BR" dirty="0" smtClean="0"/>
-              <a:t>Operações com 1 </a:t>
-            </a:r>
-            <a:r>
-              <a:rPr lang="pt-BR" dirty="0" smtClean="0"/>
-              <a:t>variável</a:t>
+              <a:t>Operações com 1 variável</a:t>
             </a:r>
           </a:p>
           <a:p>
@@ -4448,33 +4444,28 @@
               <a:rPr lang="pt-BR" dirty="0" smtClean="0"/>
               <a:t>Dobro, quadrado</a:t>
             </a:r>
+          </a:p>
+          <a:p>
+            <a:r>
+              <a:rPr lang="pt-BR" dirty="0" smtClean="0"/>
+              <a:t>Operações com 2 variáveis</a:t>
+            </a:r>
+          </a:p>
+          <a:p>
+            <a:pPr lvl="1"/>
+            <a:r>
+              <a:rPr lang="pt-BR" dirty="0" smtClean="0"/>
+              <a:t>Soma, subtração, multiplicação </a:t>
+            </a:r>
+            <a:r>
+              <a:rPr lang="pt-BR" smtClean="0"/>
+              <a:t>e divisão</a:t>
+            </a:r>
             <a:endParaRPr lang="pt-BR" dirty="0" smtClean="0"/>
           </a:p>
           <a:p>
             <a:r>
               <a:rPr lang="pt-BR" dirty="0" smtClean="0"/>
-              <a:t>Operações com 2 </a:t>
-            </a:r>
-            <a:r>
-              <a:rPr lang="pt-BR" dirty="0" smtClean="0"/>
-              <a:t>variáveis</a:t>
-            </a:r>
-          </a:p>
-          <a:p>
-            <a:pPr lvl="1"/>
-            <a:r>
-              <a:rPr lang="pt-BR" dirty="0" smtClean="0"/>
-              <a:t>Soma, subtração, multiplicação </a:t>
-            </a:r>
-            <a:r>
-              <a:rPr lang="pt-BR" smtClean="0"/>
-              <a:t>e divisão</a:t>
-            </a:r>
-            <a:endParaRPr lang="pt-BR" dirty="0" smtClean="0"/>
-          </a:p>
-          <a:p>
-            <a:r>
-              <a:rPr lang="pt-BR" dirty="0" smtClean="0"/>
               <a:t>Nome, idade, sexo e nota</a:t>
             </a:r>
           </a:p>
@@ -4489,7 +4480,6 @@
               <a:rPr lang="pt-BR" dirty="0" smtClean="0"/>
               <a:t>Equação do segundo grau</a:t>
             </a:r>
-            <a:endParaRPr lang="pt-BR" dirty="0" smtClean="0"/>
           </a:p>
           <a:p>
             <a:r>
@@ -4502,24 +4492,14 @@
             </a:r>
             <a:r>
               <a:rPr lang="pt-BR" dirty="0" smtClean="0"/>
-              <a:t> de </a:t>
-            </a:r>
-            <a:r>
-              <a:rPr lang="pt-BR" dirty="0" smtClean="0"/>
-              <a:t>inteiros</a:t>
-            </a:r>
-            <a:endParaRPr lang="pt-BR" dirty="0" smtClean="0"/>
-          </a:p>
-          <a:p>
-            <a:r>
-              <a:rPr lang="pt-BR" dirty="0" smtClean="0"/>
-              <a:t>Imprimir </a:t>
-            </a:r>
-            <a:r>
-              <a:rPr lang="pt-BR" dirty="0" smtClean="0"/>
-              <a:t>tabuadas</a:t>
-            </a:r>
-            <a:endParaRPr lang="pt-BR" dirty="0" smtClean="0"/>
+              <a:t> de inteiros</a:t>
+            </a:r>
+          </a:p>
+          <a:p>
+            <a:r>
+              <a:rPr lang="pt-BR" dirty="0" smtClean="0"/>
+              <a:t>Imprimir tabuadas</a:t>
+            </a:r>
           </a:p>
         </p:txBody>
       </p:sp>
@@ -5381,7 +5361,11 @@
             </a:r>
             <a:r>
               <a:rPr lang="pt-BR" dirty="0" smtClean="0"/>
-              <a:t> automática</a:t>
+              <a:t> </a:t>
+            </a:r>
+            <a:r>
+              <a:rPr lang="pt-BR" dirty="0" smtClean="0"/>
+              <a:t>automática</a:t>
             </a:r>
           </a:p>
           <a:p>

--- a/curso/modulo1capitulo2.pptx
+++ b/curso/modulo1capitulo2.pptx
@@ -18,7 +18,6 @@
     <p:sldId id="266" r:id="rId12"/>
     <p:sldId id="267" r:id="rId13"/>
     <p:sldId id="268" r:id="rId14"/>
-    <p:sldId id="269" r:id="rId15"/>
   </p:sldIdLst>
   <p:sldSz cx="9144000" cy="6858000" type="screen4x3"/>
   <p:notesSz cx="6858000" cy="9144000"/>
@@ -505,7 +504,7 @@
             <a:fld id="{9216EC66-197B-4D79-8DCB-E7D00E052904}" type="datetimeFigureOut">
               <a:rPr lang="pt-BR" smtClean="0"/>
               <a:pPr/>
-              <a:t>27/6/2015</a:t>
+              <a:t>15/7/2015</a:t>
             </a:fld>
             <a:endParaRPr lang="pt-BR"/>
           </a:p>
@@ -672,7 +671,7 @@
             <a:fld id="{9216EC66-197B-4D79-8DCB-E7D00E052904}" type="datetimeFigureOut">
               <a:rPr lang="pt-BR" smtClean="0"/>
               <a:pPr/>
-              <a:t>27/6/2015</a:t>
+              <a:t>15/7/2015</a:t>
             </a:fld>
             <a:endParaRPr lang="pt-BR"/>
           </a:p>
@@ -849,7 +848,7 @@
             <a:fld id="{9216EC66-197B-4D79-8DCB-E7D00E052904}" type="datetimeFigureOut">
               <a:rPr lang="pt-BR" smtClean="0"/>
               <a:pPr/>
-              <a:t>27/6/2015</a:t>
+              <a:t>15/7/2015</a:t>
             </a:fld>
             <a:endParaRPr lang="pt-BR"/>
           </a:p>
@@ -1020,7 +1019,7 @@
             <a:fld id="{9216EC66-197B-4D79-8DCB-E7D00E052904}" type="datetimeFigureOut">
               <a:rPr lang="pt-BR" smtClean="0"/>
               <a:pPr/>
-              <a:t>27/6/2015</a:t>
+              <a:t>15/7/2015</a:t>
             </a:fld>
             <a:endParaRPr lang="pt-BR"/>
           </a:p>
@@ -1477,7 +1476,7 @@
             <a:fld id="{9216EC66-197B-4D79-8DCB-E7D00E052904}" type="datetimeFigureOut">
               <a:rPr lang="pt-BR" smtClean="0"/>
               <a:pPr/>
-              <a:t>27/6/2015</a:t>
+              <a:t>15/7/2015</a:t>
             </a:fld>
             <a:endParaRPr lang="pt-BR"/>
           </a:p>
@@ -1743,7 +1742,7 @@
             <a:fld id="{9216EC66-197B-4D79-8DCB-E7D00E052904}" type="datetimeFigureOut">
               <a:rPr lang="pt-BR" smtClean="0"/>
               <a:pPr/>
-              <a:t>27/6/2015</a:t>
+              <a:t>15/7/2015</a:t>
             </a:fld>
             <a:endParaRPr lang="pt-BR"/>
           </a:p>
@@ -2119,7 +2118,7 @@
             <a:fld id="{9216EC66-197B-4D79-8DCB-E7D00E052904}" type="datetimeFigureOut">
               <a:rPr lang="pt-BR" smtClean="0"/>
               <a:pPr/>
-              <a:t>27/6/2015</a:t>
+              <a:t>15/7/2015</a:t>
             </a:fld>
             <a:endParaRPr lang="pt-BR"/>
           </a:p>
@@ -2243,7 +2242,7 @@
             <a:fld id="{9216EC66-197B-4D79-8DCB-E7D00E052904}" type="datetimeFigureOut">
               <a:rPr lang="pt-BR" smtClean="0"/>
               <a:pPr/>
-              <a:t>27/6/2015</a:t>
+              <a:t>15/7/2015</a:t>
             </a:fld>
             <a:endParaRPr lang="pt-BR"/>
           </a:p>
@@ -2335,7 +2334,7 @@
             <a:fld id="{9216EC66-197B-4D79-8DCB-E7D00E052904}" type="datetimeFigureOut">
               <a:rPr lang="pt-BR" smtClean="0"/>
               <a:pPr/>
-              <a:t>27/6/2015</a:t>
+              <a:t>15/7/2015</a:t>
             </a:fld>
             <a:endParaRPr lang="pt-BR"/>
           </a:p>
@@ -2586,7 +2585,7 @@
             <a:fld id="{9216EC66-197B-4D79-8DCB-E7D00E052904}" type="datetimeFigureOut">
               <a:rPr lang="pt-BR" smtClean="0"/>
               <a:pPr/>
-              <a:t>27/6/2015</a:t>
+              <a:t>15/7/2015</a:t>
             </a:fld>
             <a:endParaRPr lang="pt-BR"/>
           </a:p>
@@ -2847,7 +2846,7 @@
             <a:fld id="{9216EC66-197B-4D79-8DCB-E7D00E052904}" type="datetimeFigureOut">
               <a:rPr lang="pt-BR" smtClean="0"/>
               <a:pPr/>
-              <a:t>27/6/2015</a:t>
+              <a:t>15/7/2015</a:t>
             </a:fld>
             <a:endParaRPr lang="pt-BR"/>
           </a:p>
@@ -3253,7 +3252,7 @@
             <a:fld id="{9216EC66-197B-4D79-8DCB-E7D00E052904}" type="datetimeFigureOut">
               <a:rPr lang="pt-BR" smtClean="0"/>
               <a:pPr/>
-              <a:t>27/6/2015</a:t>
+              <a:t>15/7/2015</a:t>
             </a:fld>
             <a:endParaRPr lang="pt-BR"/>
           </a:p>
@@ -4376,141 +4375,6 @@
 </p:sld>
 </file>
 
-<file path=ppt/slides/slide14.xml><?xml version="1.0" encoding="utf-8"?>
-<p:sld xmlns:a="http://schemas.openxmlformats.org/drawingml/2006/main" xmlns:r="http://schemas.openxmlformats.org/officeDocument/2006/relationships" xmlns:p="http://schemas.openxmlformats.org/presentationml/2006/main">
-  <p:cSld>
-    <p:spTree>
-      <p:nvGrpSpPr>
-        <p:cNvPr id="1" name=""/>
-        <p:cNvGrpSpPr/>
-        <p:nvPr/>
-      </p:nvGrpSpPr>
-      <p:grpSpPr>
-        <a:xfrm>
-          <a:off x="0" y="0"/>
-          <a:ext cx="0" cy="0"/>
-          <a:chOff x="0" y="0"/>
-          <a:chExt cx="0" cy="0"/>
-        </a:xfrm>
-      </p:grpSpPr>
-      <p:sp>
-        <p:nvSpPr>
-          <p:cNvPr id="2" name="Título 1"/>
-          <p:cNvSpPr>
-            <a:spLocks noGrp="1"/>
-          </p:cNvSpPr>
-          <p:nvPr>
-            <p:ph type="title"/>
-          </p:nvPr>
-        </p:nvSpPr>
-        <p:spPr/>
-        <p:txBody>
-          <a:bodyPr/>
-          <a:lstStyle/>
-          <a:p>
-            <a:r>
-              <a:rPr lang="pt-BR" dirty="0" smtClean="0"/>
-              <a:t>Exemplos com Inteiros</a:t>
-            </a:r>
-            <a:endParaRPr lang="pt-BR" dirty="0"/>
-          </a:p>
-        </p:txBody>
-      </p:sp>
-      <p:sp>
-        <p:nvSpPr>
-          <p:cNvPr id="3" name="Espaço Reservado para Conteúdo 2"/>
-          <p:cNvSpPr>
-            <a:spLocks noGrp="1"/>
-          </p:cNvSpPr>
-          <p:nvPr>
-            <p:ph idx="1"/>
-          </p:nvPr>
-        </p:nvSpPr>
-        <p:spPr/>
-        <p:txBody>
-          <a:bodyPr>
-            <a:normAutofit fontScale="92500" lnSpcReduction="10000"/>
-          </a:bodyPr>
-          <a:lstStyle/>
-          <a:p>
-            <a:r>
-              <a:rPr lang="pt-BR" dirty="0" smtClean="0"/>
-              <a:t>Operações com 1 variável</a:t>
-            </a:r>
-          </a:p>
-          <a:p>
-            <a:pPr lvl="1"/>
-            <a:r>
-              <a:rPr lang="pt-BR" dirty="0" smtClean="0"/>
-              <a:t>Dobro, quadrado</a:t>
-            </a:r>
-          </a:p>
-          <a:p>
-            <a:r>
-              <a:rPr lang="pt-BR" dirty="0" smtClean="0"/>
-              <a:t>Operações com 2 variáveis</a:t>
-            </a:r>
-          </a:p>
-          <a:p>
-            <a:pPr lvl="1"/>
-            <a:r>
-              <a:rPr lang="pt-BR" dirty="0" smtClean="0"/>
-              <a:t>Soma, subtração, multiplicação </a:t>
-            </a:r>
-            <a:r>
-              <a:rPr lang="pt-BR" smtClean="0"/>
-              <a:t>e divisão</a:t>
-            </a:r>
-            <a:endParaRPr lang="pt-BR" dirty="0" smtClean="0"/>
-          </a:p>
-          <a:p>
-            <a:r>
-              <a:rPr lang="pt-BR" dirty="0" smtClean="0"/>
-              <a:t>Nome, idade, sexo e nota</a:t>
-            </a:r>
-          </a:p>
-          <a:p>
-            <a:r>
-              <a:rPr lang="pt-BR" dirty="0" smtClean="0"/>
-              <a:t>Converter segundos para horas, minutos e segundos</a:t>
-            </a:r>
-          </a:p>
-          <a:p>
-            <a:r>
-              <a:rPr lang="pt-BR" dirty="0" smtClean="0"/>
-              <a:t>Equação do segundo grau</a:t>
-            </a:r>
-          </a:p>
-          <a:p>
-            <a:r>
-              <a:rPr lang="pt-BR" dirty="0" smtClean="0"/>
-              <a:t>Imprimir </a:t>
-            </a:r>
-            <a:r>
-              <a:rPr lang="pt-BR" dirty="0" err="1" smtClean="0"/>
-              <a:t>sequências</a:t>
-            </a:r>
-            <a:r>
-              <a:rPr lang="pt-BR" dirty="0" smtClean="0"/>
-              <a:t> de inteiros</a:t>
-            </a:r>
-          </a:p>
-          <a:p>
-            <a:r>
-              <a:rPr lang="pt-BR" dirty="0" smtClean="0"/>
-              <a:t>Imprimir tabuadas</a:t>
-            </a:r>
-          </a:p>
-        </p:txBody>
-      </p:sp>
-    </p:spTree>
-  </p:cSld>
-  <p:clrMapOvr>
-    <a:masterClrMapping/>
-  </p:clrMapOvr>
-</p:sld>
-</file>
-
 <file path=ppt/slides/slide2.xml><?xml version="1.0" encoding="utf-8"?>
 <p:sld xmlns:a="http://schemas.openxmlformats.org/drawingml/2006/main" xmlns:r="http://schemas.openxmlformats.org/officeDocument/2006/relationships" xmlns:p="http://schemas.openxmlformats.org/presentationml/2006/main">
   <p:cSld>
@@ -5361,11 +5225,7 @@
             </a:r>
             <a:r>
               <a:rPr lang="pt-BR" dirty="0" smtClean="0"/>
-              <a:t> </a:t>
-            </a:r>
-            <a:r>
-              <a:rPr lang="pt-BR" dirty="0" smtClean="0"/>
-              <a:t>automática</a:t>
+              <a:t> automática</a:t>
             </a:r>
           </a:p>
           <a:p>
